--- a/SE-2016A-G08-项目介绍v3.2.0.pptx
+++ b/SE-2016A-G08-项目介绍v3.2.0.pptx
@@ -232,7 +232,7 @@
           <a:p>
             <a:fld id="{602EE1C5-99C1-47B6-9F05-A280620E55AE}" type="datetimeFigureOut">
               <a:rPr lang="zh-CN" altLang="en-US" smtClean="0"/>
-              <a:t>2016/5/7</a:t>
+              <a:t>2016/6/12</a:t>
             </a:fld>
             <a:endParaRPr lang="zh-CN" altLang="en-US"/>
           </a:p>
@@ -4475,7 +4475,7 @@
           <a:p>
             <a:fld id="{D6E18AA5-5EEE-4088-AA86-163203DB8769}" type="datetimeFigureOut">
               <a:rPr lang="zh-CN" altLang="en-US" smtClean="0"/>
-              <a:t>2016/5/7</a:t>
+              <a:t>2016/6/12</a:t>
             </a:fld>
             <a:endParaRPr lang="zh-CN" altLang="en-US"/>
           </a:p>
@@ -4750,7 +4750,7 @@
           <a:p>
             <a:fld id="{D6E18AA5-5EEE-4088-AA86-163203DB8769}" type="datetimeFigureOut">
               <a:rPr lang="zh-CN" altLang="en-US" smtClean="0"/>
-              <a:t>2016/5/7</a:t>
+              <a:t>2016/6/12</a:t>
             </a:fld>
             <a:endParaRPr lang="zh-CN" altLang="en-US"/>
           </a:p>
@@ -4944,7 +4944,7 @@
           <a:p>
             <a:fld id="{D6E18AA5-5EEE-4088-AA86-163203DB8769}" type="datetimeFigureOut">
               <a:rPr lang="zh-CN" altLang="en-US" smtClean="0"/>
-              <a:t>2016/5/7</a:t>
+              <a:t>2016/6/12</a:t>
             </a:fld>
             <a:endParaRPr lang="zh-CN" altLang="en-US"/>
           </a:p>
@@ -5217,7 +5217,7 @@
           <a:p>
             <a:fld id="{D6E18AA5-5EEE-4088-AA86-163203DB8769}" type="datetimeFigureOut">
               <a:rPr lang="zh-CN" altLang="en-US" smtClean="0"/>
-              <a:t>2016/5/7</a:t>
+              <a:t>2016/6/12</a:t>
             </a:fld>
             <a:endParaRPr lang="zh-CN" altLang="en-US"/>
           </a:p>
@@ -5558,7 +5558,7 @@
           <a:p>
             <a:fld id="{D6E18AA5-5EEE-4088-AA86-163203DB8769}" type="datetimeFigureOut">
               <a:rPr lang="zh-CN" altLang="en-US" smtClean="0"/>
-              <a:t>2016/5/7</a:t>
+              <a:t>2016/6/12</a:t>
             </a:fld>
             <a:endParaRPr lang="zh-CN" altLang="en-US"/>
           </a:p>
@@ -6181,7 +6181,7 @@
           <a:p>
             <a:fld id="{D6E18AA5-5EEE-4088-AA86-163203DB8769}" type="datetimeFigureOut">
               <a:rPr lang="zh-CN" altLang="en-US" smtClean="0"/>
-              <a:t>2016/5/7</a:t>
+              <a:t>2016/6/12</a:t>
             </a:fld>
             <a:endParaRPr lang="zh-CN" altLang="en-US"/>
           </a:p>
@@ -7041,7 +7041,7 @@
           <a:p>
             <a:fld id="{D6E18AA5-5EEE-4088-AA86-163203DB8769}" type="datetimeFigureOut">
               <a:rPr lang="zh-CN" altLang="en-US" smtClean="0"/>
-              <a:t>2016/5/7</a:t>
+              <a:t>2016/6/12</a:t>
             </a:fld>
             <a:endParaRPr lang="zh-CN" altLang="en-US"/>
           </a:p>
@@ -7211,7 +7211,7 @@
           <a:p>
             <a:fld id="{D6E18AA5-5EEE-4088-AA86-163203DB8769}" type="datetimeFigureOut">
               <a:rPr lang="zh-CN" altLang="en-US" smtClean="0"/>
-              <a:t>2016/5/7</a:t>
+              <a:t>2016/6/12</a:t>
             </a:fld>
             <a:endParaRPr lang="zh-CN" altLang="en-US"/>
           </a:p>
@@ -7391,7 +7391,7 @@
           <a:p>
             <a:fld id="{D6E18AA5-5EEE-4088-AA86-163203DB8769}" type="datetimeFigureOut">
               <a:rPr lang="zh-CN" altLang="en-US" smtClean="0"/>
-              <a:t>2016/5/7</a:t>
+              <a:t>2016/6/12</a:t>
             </a:fld>
             <a:endParaRPr lang="zh-CN" altLang="en-US"/>
           </a:p>
@@ -7561,7 +7561,7 @@
           <a:p>
             <a:fld id="{D6E18AA5-5EEE-4088-AA86-163203DB8769}" type="datetimeFigureOut">
               <a:rPr lang="zh-CN" altLang="en-US" smtClean="0"/>
-              <a:t>2016/5/7</a:t>
+              <a:t>2016/6/12</a:t>
             </a:fld>
             <a:endParaRPr lang="zh-CN" altLang="en-US"/>
           </a:p>
@@ -7808,7 +7808,7 @@
           <a:p>
             <a:fld id="{D6E18AA5-5EEE-4088-AA86-163203DB8769}" type="datetimeFigureOut">
               <a:rPr lang="zh-CN" altLang="en-US" smtClean="0"/>
-              <a:t>2016/5/7</a:t>
+              <a:t>2016/6/12</a:t>
             </a:fld>
             <a:endParaRPr lang="zh-CN" altLang="en-US"/>
           </a:p>
@@ -8100,7 +8100,7 @@
           <a:p>
             <a:fld id="{D6E18AA5-5EEE-4088-AA86-163203DB8769}" type="datetimeFigureOut">
               <a:rPr lang="zh-CN" altLang="en-US" smtClean="0"/>
-              <a:t>2016/5/7</a:t>
+              <a:t>2016/6/12</a:t>
             </a:fld>
             <a:endParaRPr lang="zh-CN" altLang="en-US"/>
           </a:p>
@@ -8544,7 +8544,7 @@
           <a:p>
             <a:fld id="{D6E18AA5-5EEE-4088-AA86-163203DB8769}" type="datetimeFigureOut">
               <a:rPr lang="zh-CN" altLang="en-US" smtClean="0"/>
-              <a:t>2016/5/7</a:t>
+              <a:t>2016/6/12</a:t>
             </a:fld>
             <a:endParaRPr lang="zh-CN" altLang="en-US"/>
           </a:p>
@@ -8662,7 +8662,7 @@
           <a:p>
             <a:fld id="{D6E18AA5-5EEE-4088-AA86-163203DB8769}" type="datetimeFigureOut">
               <a:rPr lang="zh-CN" altLang="en-US" smtClean="0"/>
-              <a:t>2016/5/7</a:t>
+              <a:t>2016/6/12</a:t>
             </a:fld>
             <a:endParaRPr lang="zh-CN" altLang="en-US"/>
           </a:p>
@@ -8757,7 +8757,7 @@
           <a:p>
             <a:fld id="{D6E18AA5-5EEE-4088-AA86-163203DB8769}" type="datetimeFigureOut">
               <a:rPr lang="zh-CN" altLang="en-US" smtClean="0"/>
-              <a:t>2016/5/7</a:t>
+              <a:t>2016/6/12</a:t>
             </a:fld>
             <a:endParaRPr lang="zh-CN" altLang="en-US"/>
           </a:p>
@@ -9036,7 +9036,7 @@
           <a:p>
             <a:fld id="{D6E18AA5-5EEE-4088-AA86-163203DB8769}" type="datetimeFigureOut">
               <a:rPr lang="zh-CN" altLang="en-US" smtClean="0"/>
-              <a:t>2016/5/7</a:t>
+              <a:t>2016/6/12</a:t>
             </a:fld>
             <a:endParaRPr lang="zh-CN" altLang="en-US"/>
           </a:p>
@@ -9311,7 +9311,7 @@
           <a:p>
             <a:fld id="{D6E18AA5-5EEE-4088-AA86-163203DB8769}" type="datetimeFigureOut">
               <a:rPr lang="zh-CN" altLang="en-US" smtClean="0"/>
-              <a:t>2016/5/7</a:t>
+              <a:t>2016/6/12</a:t>
             </a:fld>
             <a:endParaRPr lang="zh-CN" altLang="en-US"/>
           </a:p>
@@ -9740,7 +9740,7 @@
           <a:p>
             <a:fld id="{D6E18AA5-5EEE-4088-AA86-163203DB8769}" type="datetimeFigureOut">
               <a:rPr lang="zh-CN" altLang="en-US" smtClean="0"/>
-              <a:t>2016/5/7</a:t>
+              <a:t>2016/6/12</a:t>
             </a:fld>
             <a:endParaRPr lang="zh-CN" altLang="en-US"/>
           </a:p>
@@ -12236,7 +12236,7 @@
       </p:pic>
       <p:pic>
         <p:nvPicPr>
-          <p:cNvPr id="5" name="图片 4"/>
+          <p:cNvPr id="3" name="图片 2"/>
           <p:cNvPicPr>
             <a:picLocks noChangeAspect="1"/>
           </p:cNvPicPr>
@@ -12250,8 +12250,8 @@
         </p:blipFill>
         <p:spPr>
           <a:xfrm>
-            <a:off x="93661" y="2057400"/>
-            <a:ext cx="11958614" cy="4362450"/>
+            <a:off x="237289" y="1755228"/>
+            <a:ext cx="11499314" cy="4252349"/>
           </a:xfrm>
           <a:prstGeom prst="rect">
             <a:avLst/>
